--- a/react案例.pptx
+++ b/react案例.pptx
@@ -5,7 +5,7 @@
     <p:sldMasterId id="2147483648" r:id="rId1"/>
   </p:sldMasterIdLst>
   <p:notesMasterIdLst>
-    <p:notesMasterId r:id="rId10"/>
+    <p:notesMasterId r:id="rId11"/>
   </p:notesMasterIdLst>
   <p:sldIdLst>
     <p:sldId id="256" r:id="rId2"/>
@@ -16,6 +16,7 @@
     <p:sldId id="261" r:id="rId7"/>
     <p:sldId id="263" r:id="rId8"/>
     <p:sldId id="262" r:id="rId9"/>
+    <p:sldId id="264" r:id="rId10"/>
   </p:sldIdLst>
   <p:sldSz cx="12192000" cy="6858000"/>
   <p:notesSz cx="6858000" cy="9144000"/>
@@ -204,7 +205,7 @@
           <a:p>
             <a:fld id="{3A8E0BC6-1721-4BEC-AD9A-172BDF568FF9}" type="datetimeFigureOut">
               <a:rPr lang="zh-CN" altLang="en-US" smtClean="0"/>
-              <a:t>2019/7/16</a:t>
+              <a:t>2019/7/17</a:t>
             </a:fld>
             <a:endParaRPr lang="zh-CN" altLang="en-US"/>
           </a:p>
@@ -702,7 +703,7 @@
           <a:p>
             <a:fld id="{0BFF7564-B18A-454F-9758-EAE3506835C8}" type="datetimeFigureOut">
               <a:rPr lang="zh-CN" altLang="en-US" smtClean="0"/>
-              <a:t>2019/7/16</a:t>
+              <a:t>2019/7/17</a:t>
             </a:fld>
             <a:endParaRPr lang="zh-CN" altLang="en-US"/>
           </a:p>
@@ -900,7 +901,7 @@
           <a:p>
             <a:fld id="{0BFF7564-B18A-454F-9758-EAE3506835C8}" type="datetimeFigureOut">
               <a:rPr lang="zh-CN" altLang="en-US" smtClean="0"/>
-              <a:t>2019/7/16</a:t>
+              <a:t>2019/7/17</a:t>
             </a:fld>
             <a:endParaRPr lang="zh-CN" altLang="en-US"/>
           </a:p>
@@ -1108,7 +1109,7 @@
           <a:p>
             <a:fld id="{0BFF7564-B18A-454F-9758-EAE3506835C8}" type="datetimeFigureOut">
               <a:rPr lang="zh-CN" altLang="en-US" smtClean="0"/>
-              <a:t>2019/7/16</a:t>
+              <a:t>2019/7/17</a:t>
             </a:fld>
             <a:endParaRPr lang="zh-CN" altLang="en-US"/>
           </a:p>
@@ -1306,7 +1307,7 @@
           <a:p>
             <a:fld id="{0BFF7564-B18A-454F-9758-EAE3506835C8}" type="datetimeFigureOut">
               <a:rPr lang="zh-CN" altLang="en-US" smtClean="0"/>
-              <a:t>2019/7/16</a:t>
+              <a:t>2019/7/17</a:t>
             </a:fld>
             <a:endParaRPr lang="zh-CN" altLang="en-US"/>
           </a:p>
@@ -1581,7 +1582,7 @@
           <a:p>
             <a:fld id="{0BFF7564-B18A-454F-9758-EAE3506835C8}" type="datetimeFigureOut">
               <a:rPr lang="zh-CN" altLang="en-US" smtClean="0"/>
-              <a:t>2019/7/16</a:t>
+              <a:t>2019/7/17</a:t>
             </a:fld>
             <a:endParaRPr lang="zh-CN" altLang="en-US"/>
           </a:p>
@@ -1846,7 +1847,7 @@
           <a:p>
             <a:fld id="{0BFF7564-B18A-454F-9758-EAE3506835C8}" type="datetimeFigureOut">
               <a:rPr lang="zh-CN" altLang="en-US" smtClean="0"/>
-              <a:t>2019/7/16</a:t>
+              <a:t>2019/7/17</a:t>
             </a:fld>
             <a:endParaRPr lang="zh-CN" altLang="en-US"/>
           </a:p>
@@ -2258,7 +2259,7 @@
           <a:p>
             <a:fld id="{0BFF7564-B18A-454F-9758-EAE3506835C8}" type="datetimeFigureOut">
               <a:rPr lang="zh-CN" altLang="en-US" smtClean="0"/>
-              <a:t>2019/7/16</a:t>
+              <a:t>2019/7/17</a:t>
             </a:fld>
             <a:endParaRPr lang="zh-CN" altLang="en-US"/>
           </a:p>
@@ -2399,7 +2400,7 @@
           <a:p>
             <a:fld id="{0BFF7564-B18A-454F-9758-EAE3506835C8}" type="datetimeFigureOut">
               <a:rPr lang="zh-CN" altLang="en-US" smtClean="0"/>
-              <a:t>2019/7/16</a:t>
+              <a:t>2019/7/17</a:t>
             </a:fld>
             <a:endParaRPr lang="zh-CN" altLang="en-US"/>
           </a:p>
@@ -2512,7 +2513,7 @@
           <a:p>
             <a:fld id="{0BFF7564-B18A-454F-9758-EAE3506835C8}" type="datetimeFigureOut">
               <a:rPr lang="zh-CN" altLang="en-US" smtClean="0"/>
-              <a:t>2019/7/16</a:t>
+              <a:t>2019/7/17</a:t>
             </a:fld>
             <a:endParaRPr lang="zh-CN" altLang="en-US"/>
           </a:p>
@@ -2823,7 +2824,7 @@
           <a:p>
             <a:fld id="{0BFF7564-B18A-454F-9758-EAE3506835C8}" type="datetimeFigureOut">
               <a:rPr lang="zh-CN" altLang="en-US" smtClean="0"/>
-              <a:t>2019/7/16</a:t>
+              <a:t>2019/7/17</a:t>
             </a:fld>
             <a:endParaRPr lang="zh-CN" altLang="en-US"/>
           </a:p>
@@ -3111,7 +3112,7 @@
           <a:p>
             <a:fld id="{0BFF7564-B18A-454F-9758-EAE3506835C8}" type="datetimeFigureOut">
               <a:rPr lang="zh-CN" altLang="en-US" smtClean="0"/>
-              <a:t>2019/7/16</a:t>
+              <a:t>2019/7/17</a:t>
             </a:fld>
             <a:endParaRPr lang="zh-CN" altLang="en-US"/>
           </a:p>
@@ -3352,7 +3353,7 @@
           <a:p>
             <a:fld id="{0BFF7564-B18A-454F-9758-EAE3506835C8}" type="datetimeFigureOut">
               <a:rPr lang="zh-CN" altLang="en-US" smtClean="0"/>
-              <a:t>2019/7/16</a:t>
+              <a:t>2019/7/17</a:t>
             </a:fld>
             <a:endParaRPr lang="zh-CN" altLang="en-US"/>
           </a:p>
@@ -5158,9 +5159,10 @@
           </a:p>
           <a:p>
             <a:r>
-              <a:rPr lang="en-US" altLang="zh-CN"/>
+              <a:rPr lang="en-US" altLang="zh-CN" dirty="0" err="1"/>
               <a:t>courseNN</a:t>
             </a:r>
+            <a:endParaRPr lang="en-US" altLang="zh-CN" dirty="0"/>
           </a:p>
           <a:p>
             <a:endParaRPr lang="en-US" altLang="zh-CN" dirty="0"/>
@@ -5177,6 +5179,171 @@
     <p:extLst>
       <p:ext uri="{BB962C8B-B14F-4D97-AF65-F5344CB8AC3E}">
         <p14:creationId xmlns:p14="http://schemas.microsoft.com/office/powerpoint/2010/main" val="3922581996"/>
+      </p:ext>
+    </p:extLst>
+  </p:cSld>
+  <p:clrMapOvr>
+    <a:masterClrMapping/>
+  </p:clrMapOvr>
+</p:sld>
+</file>
+
+<file path=ppt/slides/slide9.xml><?xml version="1.0" encoding="utf-8"?>
+<p:sld xmlns:a="http://schemas.openxmlformats.org/drawingml/2006/main" xmlns:r="http://schemas.openxmlformats.org/officeDocument/2006/relationships" xmlns:p="http://schemas.openxmlformats.org/presentationml/2006/main">
+  <p:cSld>
+    <p:spTree>
+      <p:nvGrpSpPr>
+        <p:cNvPr id="1" name=""/>
+        <p:cNvGrpSpPr/>
+        <p:nvPr/>
+      </p:nvGrpSpPr>
+      <p:grpSpPr>
+        <a:xfrm>
+          <a:off x="0" y="0"/>
+          <a:ext cx="0" cy="0"/>
+          <a:chOff x="0" y="0"/>
+          <a:chExt cx="0" cy="0"/>
+        </a:xfrm>
+      </p:grpSpPr>
+      <p:sp>
+        <p:nvSpPr>
+          <p:cNvPr id="2" name="标题 1">
+            <a:extLst>
+              <a:ext uri="{FF2B5EF4-FFF2-40B4-BE49-F238E27FC236}">
+                <a16:creationId xmlns:a16="http://schemas.microsoft.com/office/drawing/2014/main" id="{0E500473-6E97-4D24-B799-642119478C18}"/>
+              </a:ext>
+            </a:extLst>
+          </p:cNvPr>
+          <p:cNvSpPr>
+            <a:spLocks noGrp="1"/>
+          </p:cNvSpPr>
+          <p:nvPr>
+            <p:ph type="title"/>
+          </p:nvPr>
+        </p:nvSpPr>
+        <p:spPr/>
+        <p:txBody>
+          <a:bodyPr/>
+          <a:lstStyle/>
+          <a:p>
+            <a:r>
+              <a:rPr lang="zh-CN" altLang="en-US" dirty="0"/>
+              <a:t>样式</a:t>
+            </a:r>
+            <a:r>
+              <a:rPr lang="en-US" altLang="zh-CN" dirty="0"/>
+              <a:t> </a:t>
+            </a:r>
+            <a:endParaRPr lang="zh-CN" altLang="en-US" dirty="0"/>
+          </a:p>
+        </p:txBody>
+      </p:sp>
+      <p:sp>
+        <p:nvSpPr>
+          <p:cNvPr id="3" name="内容占位符 2">
+            <a:extLst>
+              <a:ext uri="{FF2B5EF4-FFF2-40B4-BE49-F238E27FC236}">
+                <a16:creationId xmlns:a16="http://schemas.microsoft.com/office/drawing/2014/main" id="{FC12D69E-B128-4BD7-8CA3-9551508BA7CD}"/>
+              </a:ext>
+            </a:extLst>
+          </p:cNvPr>
+          <p:cNvSpPr>
+            <a:spLocks noGrp="1"/>
+          </p:cNvSpPr>
+          <p:nvPr>
+            <p:ph idx="1"/>
+          </p:nvPr>
+        </p:nvSpPr>
+        <p:spPr/>
+        <p:txBody>
+          <a:bodyPr>
+            <a:normAutofit lnSpcReduction="10000"/>
+          </a:bodyPr>
+          <a:lstStyle/>
+          <a:p>
+            <a:r>
+              <a:rPr lang="en-US" altLang="zh-CN" dirty="0"/>
+              <a:t>Style</a:t>
+            </a:r>
+          </a:p>
+          <a:p>
+            <a:r>
+              <a:rPr lang="en-US" altLang="zh-CN" dirty="0" err="1"/>
+              <a:t>ClassName</a:t>
+            </a:r>
+            <a:endParaRPr lang="en-US" altLang="zh-CN" dirty="0"/>
+          </a:p>
+          <a:p>
+            <a:r>
+              <a:rPr lang="zh-CN" altLang="en-US" dirty="0"/>
+              <a:t>删除无用的</a:t>
+            </a:r>
+            <a:r>
+              <a:rPr lang="en-US" altLang="zh-CN" dirty="0" err="1"/>
+              <a:t>css</a:t>
+            </a:r>
+            <a:endParaRPr lang="en-US" altLang="zh-CN" dirty="0"/>
+          </a:p>
+          <a:p>
+            <a:r>
+              <a:rPr lang="en-US" altLang="zh-CN" dirty="0" err="1"/>
+              <a:t>amfe</a:t>
+            </a:r>
+            <a:r>
+              <a:rPr lang="en-US" altLang="zh-CN" dirty="0"/>
+              <a:t>-Flexible</a:t>
+            </a:r>
+          </a:p>
+          <a:p>
+            <a:r>
+              <a:rPr lang="zh-CN" altLang="en-US" dirty="0"/>
+              <a:t>在线字体生成</a:t>
+            </a:r>
+            <a:endParaRPr lang="en-US" altLang="zh-CN" dirty="0"/>
+          </a:p>
+          <a:p>
+            <a:r>
+              <a:rPr lang="en-US" altLang="zh-CN" dirty="0">
+                <a:hlinkClick r:id="rId2"/>
+              </a:rPr>
+              <a:t>https://www.w3cschool.cn/tools/index?name=csscreate</a:t>
+            </a:r>
+            <a:endParaRPr lang="en-US" altLang="zh-CN" dirty="0"/>
+          </a:p>
+          <a:p>
+            <a:endParaRPr lang="en-US" altLang="zh-CN" dirty="0"/>
+          </a:p>
+          <a:p>
+            <a:r>
+              <a:rPr lang="en-US" altLang="zh-CN" dirty="0" err="1"/>
+              <a:t>npm</a:t>
+            </a:r>
+            <a:r>
+              <a:rPr lang="en-US" altLang="zh-CN" dirty="0"/>
+              <a:t> </a:t>
+            </a:r>
+            <a:r>
+              <a:rPr lang="en-US" altLang="zh-CN" dirty="0" err="1"/>
+              <a:t>i</a:t>
+            </a:r>
+            <a:r>
+              <a:rPr lang="en-US" altLang="zh-CN" dirty="0"/>
+              <a:t> -S node-sass sass-loader</a:t>
+            </a:r>
+          </a:p>
+          <a:p>
+            <a:r>
+              <a:rPr lang="en-US" altLang="zh-CN" dirty="0" err="1"/>
+              <a:t>scss</a:t>
+            </a:r>
+            <a:endParaRPr lang="zh-CN" altLang="en-US" dirty="0"/>
+          </a:p>
+        </p:txBody>
+      </p:sp>
+    </p:spTree>
+    <p:extLst>
+      <p:ext uri="{BB962C8B-B14F-4D97-AF65-F5344CB8AC3E}">
+        <p14:creationId xmlns:p14="http://schemas.microsoft.com/office/powerpoint/2010/main" val="509260716"/>
       </p:ext>
     </p:extLst>
   </p:cSld>
